--- a/doc/exercise_plan/slides/lca_exercise plan.pptx
+++ b/doc/exercise_plan/slides/lca_exercise plan.pptx
@@ -8,8 +8,8 @@
     <p:sldId id="256" r:id="rId2"/>
     <p:sldId id="257" r:id="rId3"/>
     <p:sldId id="258" r:id="rId4"/>
-    <p:sldId id="259" r:id="rId5"/>
-    <p:sldId id="260" r:id="rId6"/>
+    <p:sldId id="262" r:id="rId5"/>
+    <p:sldId id="259" r:id="rId6"/>
     <p:sldId id="261" r:id="rId7"/>
   </p:sldIdLst>
   <p:sldSz cx="9144000" cy="6858000" type="screen4x3"/>
@@ -392,7 +392,7 @@
           <a:p>
             <a:fld id="{F544C3D9-0A4D-41AF-864F-935EF9FB05BA}" type="datetimeFigureOut">
               <a:rPr lang="en-US" smtClean="0"/>
-              <a:t>10/14/2014</a:t>
+              <a:t>10/15/2014</a:t>
             </a:fld>
             <a:endParaRPr lang="en-US"/>
           </a:p>
@@ -785,7 +785,7 @@
           <a:p>
             <a:fld id="{F544C3D9-0A4D-41AF-864F-935EF9FB05BA}" type="datetimeFigureOut">
               <a:rPr lang="en-US" smtClean="0"/>
-              <a:t>10/14/2014</a:t>
+              <a:t>10/15/2014</a:t>
             </a:fld>
             <a:endParaRPr lang="en-US"/>
           </a:p>
@@ -1317,7 +1317,7 @@
           <a:p>
             <a:fld id="{F544C3D9-0A4D-41AF-864F-935EF9FB05BA}" type="datetimeFigureOut">
               <a:rPr lang="en-US" smtClean="0"/>
-              <a:t>10/14/2014</a:t>
+              <a:t>10/15/2014</a:t>
             </a:fld>
             <a:endParaRPr lang="en-US"/>
           </a:p>
@@ -1450,7 +1450,7 @@
           <a:p>
             <a:fld id="{F544C3D9-0A4D-41AF-864F-935EF9FB05BA}" type="datetimeFigureOut">
               <a:rPr lang="en-US" smtClean="0"/>
-              <a:t>10/14/2014</a:t>
+              <a:t>10/15/2014</a:t>
             </a:fld>
             <a:endParaRPr lang="en-US"/>
           </a:p>
@@ -1993,7 +1993,7 @@
           <a:p>
             <a:fld id="{F544C3D9-0A4D-41AF-864F-935EF9FB05BA}" type="datetimeFigureOut">
               <a:rPr lang="en-US" smtClean="0"/>
-              <a:t>10/14/2014</a:t>
+              <a:t>10/15/2014</a:t>
             </a:fld>
             <a:endParaRPr lang="en-US"/>
           </a:p>
@@ -2288,7 +2288,7 @@
           <a:p>
             <a:fld id="{F544C3D9-0A4D-41AF-864F-935EF9FB05BA}" type="datetimeFigureOut">
               <a:rPr lang="en-US" smtClean="0"/>
-              <a:t>10/14/2014</a:t>
+              <a:t>10/15/2014</a:t>
             </a:fld>
             <a:endParaRPr lang="en-US"/>
           </a:p>
@@ -2947,7 +2947,7 @@
           <a:p>
             <a:fld id="{F544C3D9-0A4D-41AF-864F-935EF9FB05BA}" type="datetimeFigureOut">
               <a:rPr lang="en-US" smtClean="0"/>
-              <a:t>10/14/2014</a:t>
+              <a:t>10/15/2014</a:t>
             </a:fld>
             <a:endParaRPr lang="en-US"/>
           </a:p>
@@ -3383,7 +3383,7 @@
           <a:p>
             <a:fld id="{F544C3D9-0A4D-41AF-864F-935EF9FB05BA}" type="datetimeFigureOut">
               <a:rPr lang="en-US" smtClean="0"/>
-              <a:t>10/14/2014</a:t>
+              <a:t>10/15/2014</a:t>
             </a:fld>
             <a:endParaRPr lang="en-US"/>
           </a:p>
@@ -3696,7 +3696,7 @@
           <a:p>
             <a:fld id="{F544C3D9-0A4D-41AF-864F-935EF9FB05BA}" type="datetimeFigureOut">
               <a:rPr lang="en-US" smtClean="0"/>
-              <a:t>10/14/2014</a:t>
+              <a:t>10/15/2014</a:t>
             </a:fld>
             <a:endParaRPr lang="en-US"/>
           </a:p>
@@ -4428,7 +4428,7 @@
           <a:p>
             <a:fld id="{F544C3D9-0A4D-41AF-864F-935EF9FB05BA}" type="datetimeFigureOut">
               <a:rPr lang="en-US" smtClean="0"/>
-              <a:t>10/14/2014</a:t>
+              <a:t>10/15/2014</a:t>
             </a:fld>
             <a:endParaRPr lang="en-US"/>
           </a:p>
@@ -5092,7 +5092,7 @@
           <a:p>
             <a:fld id="{F544C3D9-0A4D-41AF-864F-935EF9FB05BA}" type="datetimeFigureOut">
               <a:rPr lang="en-US" smtClean="0"/>
-              <a:t>10/14/2014</a:t>
+              <a:t>10/15/2014</a:t>
             </a:fld>
             <a:endParaRPr lang="en-US"/>
           </a:p>
@@ -5365,7 +5365,7 @@
           <a:p>
             <a:fld id="{F544C3D9-0A4D-41AF-864F-935EF9FB05BA}" type="datetimeFigureOut">
               <a:rPr lang="en-US" smtClean="0"/>
-              <a:t>10/14/2014</a:t>
+              <a:t>10/15/2014</a:t>
             </a:fld>
             <a:endParaRPr lang="en-US"/>
           </a:p>
@@ -6271,6 +6271,36 @@
           <a:chExt cx="0" cy="0"/>
         </a:xfrm>
       </p:grpSpPr>
+      <p:pic>
+        <p:nvPicPr>
+          <p:cNvPr id="11" name="Grafik 10"/>
+          <p:cNvPicPr>
+            <a:picLocks noChangeAspect="1"/>
+          </p:cNvPicPr>
+          <p:nvPr/>
+        </p:nvPicPr>
+        <p:blipFill>
+          <a:blip r:embed="rId2">
+            <a:extLst>
+              <a:ext uri="{28A0092B-C50C-407E-A947-70E740481C1C}">
+                <a14:useLocalDpi xmlns:a14="http://schemas.microsoft.com/office/drawing/2010/main" val="0"/>
+              </a:ext>
+            </a:extLst>
+          </a:blip>
+          <a:stretch>
+            <a:fillRect/>
+          </a:stretch>
+        </p:blipFill>
+        <p:spPr>
+          <a:xfrm>
+            <a:off x="755576" y="1551620"/>
+            <a:ext cx="7560840" cy="4829708"/>
+          </a:xfrm>
+          <a:prstGeom prst="rect">
+            <a:avLst/>
+          </a:prstGeom>
+        </p:spPr>
+      </p:pic>
       <p:sp>
         <p:nvSpPr>
           <p:cNvPr id="5" name="Titel 4"/>
@@ -6319,6 +6349,178 @@
               <a:t>?</a:t>
             </a:r>
             <a:endParaRPr lang="en-US" dirty="0"/>
+          </a:p>
+        </p:txBody>
+      </p:sp>
+      <p:sp>
+        <p:nvSpPr>
+          <p:cNvPr id="6" name="Pfeil nach unten 5"/>
+          <p:cNvSpPr/>
+          <p:nvPr/>
+        </p:nvSpPr>
+        <p:spPr>
+          <a:xfrm>
+            <a:off x="1333224" y="3573016"/>
+            <a:ext cx="648072" cy="1221685"/>
+          </a:xfrm>
+          <a:prstGeom prst="downArrow">
+            <a:avLst>
+              <a:gd name="adj1" fmla="val 50000"/>
+              <a:gd name="adj2" fmla="val 35785"/>
+            </a:avLst>
+          </a:prstGeom>
+        </p:spPr>
+        <p:style>
+          <a:lnRef idx="2">
+            <a:schemeClr val="accent1">
+              <a:shade val="50000"/>
+            </a:schemeClr>
+          </a:lnRef>
+          <a:fillRef idx="1">
+            <a:schemeClr val="accent1"/>
+          </a:fillRef>
+          <a:effectRef idx="0">
+            <a:schemeClr val="accent1"/>
+          </a:effectRef>
+          <a:fontRef idx="minor">
+            <a:schemeClr val="lt1"/>
+          </a:fontRef>
+        </p:style>
+        <p:txBody>
+          <a:bodyPr rtlCol="0" anchor="ctr"/>
+          <a:lstStyle/>
+          <a:p>
+            <a:pPr algn="ctr"/>
+            <a:endParaRPr lang="en-US"/>
+          </a:p>
+        </p:txBody>
+      </p:sp>
+      <p:sp>
+        <p:nvSpPr>
+          <p:cNvPr id="7" name="Pfeil nach unten 6"/>
+          <p:cNvSpPr/>
+          <p:nvPr/>
+        </p:nvSpPr>
+        <p:spPr>
+          <a:xfrm rot="13609564">
+            <a:off x="3122631" y="4639373"/>
+            <a:ext cx="565045" cy="1396716"/>
+          </a:xfrm>
+          <a:prstGeom prst="downArrow">
+            <a:avLst>
+              <a:gd name="adj1" fmla="val 50000"/>
+              <a:gd name="adj2" fmla="val 68164"/>
+            </a:avLst>
+          </a:prstGeom>
+        </p:spPr>
+        <p:style>
+          <a:lnRef idx="2">
+            <a:schemeClr val="accent1">
+              <a:shade val="50000"/>
+            </a:schemeClr>
+          </a:lnRef>
+          <a:fillRef idx="1">
+            <a:schemeClr val="accent1"/>
+          </a:fillRef>
+          <a:effectRef idx="0">
+            <a:schemeClr val="accent1"/>
+          </a:effectRef>
+          <a:fontRef idx="minor">
+            <a:schemeClr val="lt1"/>
+          </a:fontRef>
+        </p:style>
+        <p:txBody>
+          <a:bodyPr rtlCol="0" anchor="ctr"/>
+          <a:lstStyle/>
+          <a:p>
+            <a:pPr algn="ctr"/>
+            <a:endParaRPr lang="en-US"/>
+          </a:p>
+        </p:txBody>
+      </p:sp>
+      <p:sp>
+        <p:nvSpPr>
+          <p:cNvPr id="8" name="Pfeil nach unten 7"/>
+          <p:cNvSpPr/>
+          <p:nvPr/>
+        </p:nvSpPr>
+        <p:spPr>
+          <a:xfrm rot="18305171">
+            <a:off x="5369597" y="4771459"/>
+            <a:ext cx="565045" cy="1029372"/>
+          </a:xfrm>
+          <a:prstGeom prst="downArrow">
+            <a:avLst>
+              <a:gd name="adj1" fmla="val 50000"/>
+              <a:gd name="adj2" fmla="val 68164"/>
+            </a:avLst>
+          </a:prstGeom>
+        </p:spPr>
+        <p:style>
+          <a:lnRef idx="2">
+            <a:schemeClr val="accent1">
+              <a:shade val="50000"/>
+            </a:schemeClr>
+          </a:lnRef>
+          <a:fillRef idx="1">
+            <a:schemeClr val="accent1"/>
+          </a:fillRef>
+          <a:effectRef idx="0">
+            <a:schemeClr val="accent1"/>
+          </a:effectRef>
+          <a:fontRef idx="minor">
+            <a:schemeClr val="lt1"/>
+          </a:fontRef>
+        </p:style>
+        <p:txBody>
+          <a:bodyPr rtlCol="0" anchor="ctr"/>
+          <a:lstStyle/>
+          <a:p>
+            <a:pPr algn="ctr"/>
+            <a:endParaRPr lang="en-US"/>
+          </a:p>
+        </p:txBody>
+      </p:sp>
+      <p:sp>
+        <p:nvSpPr>
+          <p:cNvPr id="9" name="Pfeil nach unten 8"/>
+          <p:cNvSpPr/>
+          <p:nvPr/>
+        </p:nvSpPr>
+        <p:spPr>
+          <a:xfrm rot="10800000">
+            <a:off x="6953771" y="3573015"/>
+            <a:ext cx="565045" cy="1221685"/>
+          </a:xfrm>
+          <a:prstGeom prst="downArrow">
+            <a:avLst>
+              <a:gd name="adj1" fmla="val 50000"/>
+              <a:gd name="adj2" fmla="val 68164"/>
+            </a:avLst>
+          </a:prstGeom>
+        </p:spPr>
+        <p:style>
+          <a:lnRef idx="2">
+            <a:schemeClr val="accent1">
+              <a:shade val="50000"/>
+            </a:schemeClr>
+          </a:lnRef>
+          <a:fillRef idx="1">
+            <a:schemeClr val="accent1"/>
+          </a:fillRef>
+          <a:effectRef idx="0">
+            <a:schemeClr val="accent1"/>
+          </a:effectRef>
+          <a:fontRef idx="minor">
+            <a:schemeClr val="lt1"/>
+          </a:fontRef>
+        </p:style>
+        <p:txBody>
+          <a:bodyPr rtlCol="0" anchor="ctr"/>
+          <a:lstStyle/>
+          <a:p>
+            <a:pPr algn="ctr"/>
+            <a:endParaRPr lang="en-US"/>
           </a:p>
         </p:txBody>
       </p:sp>
@@ -6371,12 +6573,25 @@
         </p:nvSpPr>
         <p:spPr/>
         <p:txBody>
-          <a:bodyPr/>
-          <a:lstStyle/>
-          <a:p>
+          <a:bodyPr>
+            <a:normAutofit fontScale="90000"/>
+          </a:bodyPr>
+          <a:lstStyle/>
+          <a:p>
+            <a:r>
+              <a:rPr lang="de-DE" dirty="0"/>
+              <a:t/>
+            </a:r>
+            <a:br>
+              <a:rPr lang="de-DE" dirty="0"/>
+            </a:br>
+            <a:r>
+              <a:rPr lang="de-DE" dirty="0" err="1" smtClean="0"/>
+              <a:t>Use</a:t>
+            </a:r>
             <a:r>
               <a:rPr lang="de-DE" dirty="0" smtClean="0"/>
-              <a:t>Technology</a:t>
+              <a:t> Case</a:t>
             </a:r>
             <a:endParaRPr lang="en-US" dirty="0"/>
           </a:p>
@@ -6394,153 +6609,50 @@
         </p:nvSpPr>
         <p:spPr/>
         <p:txBody>
-          <a:bodyPr>
-            <a:normAutofit/>
-          </a:bodyPr>
-          <a:lstStyle/>
-          <a:p>
-            <a:r>
-              <a:rPr lang="de-DE" dirty="0" err="1" smtClean="0"/>
-              <a:t>Platform</a:t>
-            </a:r>
-            <a:r>
-              <a:rPr lang="de-DE" dirty="0" smtClean="0"/>
-              <a:t>: </a:t>
-            </a:r>
-            <a:r>
-              <a:rPr lang="de-DE" dirty="0" err="1" smtClean="0"/>
-              <a:t>Html</a:t>
-            </a:r>
-            <a:r>
-              <a:rPr lang="de-DE" dirty="0" smtClean="0"/>
-              <a:t>, </a:t>
-            </a:r>
-            <a:r>
-              <a:rPr lang="de-DE" dirty="0" err="1" smtClean="0"/>
-              <a:t>javascript</a:t>
-            </a:r>
-            <a:r>
-              <a:rPr lang="de-DE" dirty="0" smtClean="0"/>
-              <a:t>, CSS3</a:t>
-            </a:r>
-          </a:p>
-          <a:p>
-            <a:r>
-              <a:rPr lang="de-DE" dirty="0" smtClean="0"/>
-              <a:t>Libraries:</a:t>
-            </a:r>
-          </a:p>
-          <a:p>
-            <a:pPr lvl="1"/>
-            <a:r>
-              <a:rPr lang="de-DE" dirty="0" err="1" smtClean="0"/>
-              <a:t>DataMap</a:t>
-            </a:r>
-            <a:endParaRPr lang="de-DE" dirty="0" smtClean="0"/>
-          </a:p>
-          <a:p>
-            <a:pPr lvl="1"/>
-            <a:r>
-              <a:rPr lang="de-DE" dirty="0" smtClean="0"/>
-              <a:t>Polymer</a:t>
-            </a:r>
-          </a:p>
-          <a:p>
-            <a:pPr marL="274320" lvl="1" indent="0">
+          <a:bodyPr/>
+          <a:lstStyle/>
+          <a:p>
+            <a:pPr marL="0" indent="0">
               <a:buNone/>
             </a:pPr>
-            <a:endParaRPr lang="de-DE" dirty="0" smtClean="0"/>
-          </a:p>
-          <a:p>
-            <a:pPr marL="274320" lvl="1" indent="0">
-              <a:buNone/>
-            </a:pPr>
-            <a:endParaRPr lang="de-DE" dirty="0"/>
-          </a:p>
-          <a:p>
-            <a:pPr marL="274320" lvl="1" indent="0">
-              <a:buNone/>
-            </a:pPr>
-            <a:endParaRPr lang="de-DE" dirty="0" smtClean="0"/>
-          </a:p>
-          <a:p>
-            <a:pPr marL="274320" lvl="1" indent="0">
-              <a:buNone/>
-            </a:pPr>
-            <a:endParaRPr lang="de-DE" dirty="0"/>
-          </a:p>
-          <a:p>
-            <a:pPr marL="274320" lvl="1" indent="0">
-              <a:buNone/>
-            </a:pPr>
-            <a:endParaRPr lang="de-DE" dirty="0" smtClean="0"/>
-          </a:p>
-          <a:p>
-            <a:pPr marL="274320" lvl="1" indent="0">
-              <a:buNone/>
-            </a:pPr>
-            <a:r>
-              <a:rPr lang="de-DE" sz="1600" dirty="0" smtClean="0">
-                <a:hlinkClick r:id="rId2"/>
-              </a:rPr>
-              <a:t>http</a:t>
-            </a:r>
-            <a:r>
-              <a:rPr lang="de-DE" sz="1600" dirty="0">
-                <a:hlinkClick r:id="rId2"/>
-              </a:rPr>
-              <a:t>://datamaps.github.io</a:t>
-            </a:r>
-            <a:r>
-              <a:rPr lang="de-DE" sz="1600" dirty="0" smtClean="0">
-                <a:hlinkClick r:id="rId2"/>
-              </a:rPr>
-              <a:t>/</a:t>
-            </a:r>
-            <a:endParaRPr lang="de-DE" sz="1600" dirty="0" smtClean="0"/>
-          </a:p>
-          <a:p>
-            <a:pPr marL="274320" lvl="1" indent="0">
-              <a:buNone/>
-            </a:pPr>
-            <a:r>
-              <a:rPr lang="en-US" sz="1600" dirty="0">
-                <a:hlinkClick r:id="rId3"/>
-              </a:rPr>
-              <a:t>https://www.polymer-project.org</a:t>
-            </a:r>
-            <a:r>
-              <a:rPr lang="en-US" sz="1600" dirty="0" smtClean="0">
-                <a:hlinkClick r:id="rId3"/>
-              </a:rPr>
-              <a:t>/</a:t>
-            </a:r>
-            <a:endParaRPr lang="en-US" sz="1600" dirty="0" smtClean="0"/>
-          </a:p>
-          <a:p>
-            <a:pPr marL="274320" lvl="1" indent="0">
-              <a:buNone/>
-            </a:pPr>
-            <a:endParaRPr lang="de-DE" sz="1600" dirty="0" smtClean="0"/>
-          </a:p>
-          <a:p>
-            <a:pPr marL="274320" lvl="1" indent="0">
-              <a:buNone/>
-            </a:pPr>
-            <a:endParaRPr lang="de-DE" sz="1600" dirty="0" smtClean="0"/>
-          </a:p>
-          <a:p>
-            <a:pPr marL="274320" lvl="1" indent="0">
-              <a:buNone/>
-            </a:pPr>
-            <a:endParaRPr lang="de-DE" dirty="0" smtClean="0"/>
-          </a:p>
-        </p:txBody>
-      </p:sp>
+            <a:endParaRPr lang="en-US" dirty="0"/>
+          </a:p>
+        </p:txBody>
+      </p:sp>
+      <p:pic>
+        <p:nvPicPr>
+          <p:cNvPr id="4" name="Grafik 3"/>
+          <p:cNvPicPr>
+            <a:picLocks noChangeAspect="1"/>
+          </p:cNvPicPr>
+          <p:nvPr/>
+        </p:nvPicPr>
+        <p:blipFill>
+          <a:blip r:embed="rId2">
+            <a:extLst>
+              <a:ext uri="{28A0092B-C50C-407E-A947-70E740481C1C}">
+                <a14:useLocalDpi xmlns:a14="http://schemas.microsoft.com/office/drawing/2010/main" val="0"/>
+              </a:ext>
+            </a:extLst>
+          </a:blip>
+          <a:stretch>
+            <a:fillRect/>
+          </a:stretch>
+        </p:blipFill>
+        <p:spPr>
+          <a:xfrm>
+            <a:off x="179512" y="2132856"/>
+            <a:ext cx="8764224" cy="3924848"/>
+          </a:xfrm>
+          <a:prstGeom prst="rect">
+            <a:avLst/>
+          </a:prstGeom>
+        </p:spPr>
+      </p:pic>
     </p:spTree>
     <p:extLst>
       <p:ext uri="{BB962C8B-B14F-4D97-AF65-F5344CB8AC3E}">
-        <p14:creationId xmlns:p14="http://schemas.microsoft.com/office/powerpoint/2010/main" val="3368677882"/>
+        <p14:creationId xmlns:p14="http://schemas.microsoft.com/office/powerpoint/2010/main" val="297928107"/>
       </p:ext>
     </p:extLst>
   </p:cSld>
@@ -6591,7 +6703,7 @@
           <a:p>
             <a:r>
               <a:rPr lang="de-DE" dirty="0" smtClean="0"/>
-              <a:t>Main Tasks</a:t>
+              <a:t>Technology</a:t>
             </a:r>
             <a:endParaRPr lang="en-US" dirty="0"/>
           </a:p>
@@ -6604,47 +6716,275 @@
             <a:spLocks noGrp="1"/>
           </p:cNvSpPr>
           <p:nvPr>
-            <p:ph sz="quarter" idx="1"/>
+            <p:ph sz="quarter" idx="4294967295"/>
           </p:nvPr>
         </p:nvSpPr>
-        <p:spPr/>
-        <p:txBody>
-          <a:bodyPr/>
-          <a:lstStyle/>
-          <a:p>
-            <a:r>
-              <a:rPr lang="de-DE" dirty="0" smtClean="0"/>
-              <a:t>Analyse Data </a:t>
-            </a:r>
-            <a:r>
-              <a:rPr lang="de-DE" dirty="0" err="1" smtClean="0"/>
-              <a:t>structure</a:t>
-            </a:r>
+        <p:spPr>
+          <a:xfrm>
+            <a:off x="0" y="1527175"/>
+            <a:ext cx="8504238" cy="4572000"/>
+          </a:xfrm>
+        </p:spPr>
+        <p:txBody>
+          <a:bodyPr>
+            <a:normAutofit/>
+          </a:bodyPr>
+          <a:lstStyle/>
+          <a:p>
             <a:endParaRPr lang="de-DE" dirty="0" smtClean="0"/>
           </a:p>
           <a:p>
-            <a:r>
-              <a:rPr lang="de-DE" dirty="0" smtClean="0"/>
-              <a:t>User </a:t>
-            </a:r>
-            <a:r>
-              <a:rPr lang="de-DE" dirty="0" err="1" smtClean="0"/>
-              <a:t>interface</a:t>
-            </a:r>
-            <a:r>
-              <a:rPr lang="de-DE" dirty="0" smtClean="0"/>
-              <a:t> design</a:t>
-            </a:r>
-          </a:p>
-          <a:p>
-            <a:endParaRPr lang="en-US" dirty="0"/>
-          </a:p>
-        </p:txBody>
-      </p:sp>
+            <a:pPr marL="274320" lvl="1" indent="0">
+              <a:buNone/>
+            </a:pPr>
+            <a:endParaRPr lang="de-DE" dirty="0" smtClean="0"/>
+          </a:p>
+          <a:p>
+            <a:pPr marL="274320" lvl="1" indent="0">
+              <a:buNone/>
+            </a:pPr>
+            <a:endParaRPr lang="de-DE" dirty="0"/>
+          </a:p>
+          <a:p>
+            <a:pPr marL="274320" lvl="1" indent="0">
+              <a:buNone/>
+            </a:pPr>
+            <a:endParaRPr lang="de-DE" dirty="0" smtClean="0"/>
+          </a:p>
+          <a:p>
+            <a:pPr marL="274320" lvl="1" indent="0">
+              <a:buNone/>
+            </a:pPr>
+            <a:endParaRPr lang="de-DE" dirty="0"/>
+          </a:p>
+          <a:p>
+            <a:pPr marL="274320" lvl="1" indent="0">
+              <a:buNone/>
+            </a:pPr>
+            <a:endParaRPr lang="de-DE" sz="1600" dirty="0" smtClean="0"/>
+          </a:p>
+          <a:p>
+            <a:pPr marL="274320" lvl="1" indent="0">
+              <a:buNone/>
+            </a:pPr>
+            <a:endParaRPr lang="de-DE" dirty="0" smtClean="0"/>
+          </a:p>
+        </p:txBody>
+      </p:sp>
+      <p:pic>
+        <p:nvPicPr>
+          <p:cNvPr id="4" name="Grafik 3"/>
+          <p:cNvPicPr>
+            <a:picLocks noChangeAspect="1"/>
+          </p:cNvPicPr>
+          <p:nvPr/>
+        </p:nvPicPr>
+        <p:blipFill>
+          <a:blip r:embed="rId2">
+            <a:extLst>
+              <a:ext uri="{28A0092B-C50C-407E-A947-70E740481C1C}">
+                <a14:useLocalDpi xmlns:a14="http://schemas.microsoft.com/office/drawing/2010/main" val="0"/>
+              </a:ext>
+            </a:extLst>
+          </a:blip>
+          <a:stretch>
+            <a:fillRect/>
+          </a:stretch>
+        </p:blipFill>
+        <p:spPr>
+          <a:xfrm>
+            <a:off x="2331053" y="1484784"/>
+            <a:ext cx="1751101" cy="1563483"/>
+          </a:xfrm>
+          <a:prstGeom prst="rect">
+            <a:avLst/>
+          </a:prstGeom>
+        </p:spPr>
+      </p:pic>
+      <p:pic>
+        <p:nvPicPr>
+          <p:cNvPr id="5" name="Grafik 4"/>
+          <p:cNvPicPr>
+            <a:picLocks noChangeAspect="1"/>
+          </p:cNvPicPr>
+          <p:nvPr/>
+        </p:nvPicPr>
+        <p:blipFill>
+          <a:blip r:embed="rId3">
+            <a:extLst>
+              <a:ext uri="{28A0092B-C50C-407E-A947-70E740481C1C}">
+                <a14:useLocalDpi xmlns:a14="http://schemas.microsoft.com/office/drawing/2010/main" val="0"/>
+              </a:ext>
+            </a:extLst>
+          </a:blip>
+          <a:stretch>
+            <a:fillRect/>
+          </a:stretch>
+        </p:blipFill>
+        <p:spPr>
+          <a:xfrm>
+            <a:off x="4140425" y="1700808"/>
+            <a:ext cx="1655711" cy="1655711"/>
+          </a:xfrm>
+          <a:prstGeom prst="rect">
+            <a:avLst/>
+          </a:prstGeom>
+        </p:spPr>
+      </p:pic>
+      <p:pic>
+        <p:nvPicPr>
+          <p:cNvPr id="6" name="Grafik 5"/>
+          <p:cNvPicPr>
+            <a:picLocks noChangeAspect="1"/>
+          </p:cNvPicPr>
+          <p:nvPr/>
+        </p:nvPicPr>
+        <p:blipFill>
+          <a:blip r:embed="rId4" cstate="print">
+            <a:extLst>
+              <a:ext uri="{28A0092B-C50C-407E-A947-70E740481C1C}">
+                <a14:useLocalDpi xmlns:a14="http://schemas.microsoft.com/office/drawing/2010/main" val="0"/>
+              </a:ext>
+            </a:extLst>
+          </a:blip>
+          <a:stretch>
+            <a:fillRect/>
+          </a:stretch>
+        </p:blipFill>
+        <p:spPr>
+          <a:xfrm>
+            <a:off x="267311" y="1412776"/>
+            <a:ext cx="2032284" cy="1751151"/>
+          </a:xfrm>
+          <a:prstGeom prst="rect">
+            <a:avLst/>
+          </a:prstGeom>
+        </p:spPr>
+      </p:pic>
+      <p:pic>
+        <p:nvPicPr>
+          <p:cNvPr id="7" name="Grafik 6"/>
+          <p:cNvPicPr>
+            <a:picLocks noChangeAspect="1"/>
+          </p:cNvPicPr>
+          <p:nvPr/>
+        </p:nvPicPr>
+        <p:blipFill>
+          <a:blip r:embed="rId5">
+            <a:extLst>
+              <a:ext uri="{28A0092B-C50C-407E-A947-70E740481C1C}">
+                <a14:useLocalDpi xmlns:a14="http://schemas.microsoft.com/office/drawing/2010/main" val="0"/>
+              </a:ext>
+            </a:extLst>
+          </a:blip>
+          <a:stretch>
+            <a:fillRect/>
+          </a:stretch>
+        </p:blipFill>
+        <p:spPr>
+          <a:xfrm>
+            <a:off x="267311" y="3573016"/>
+            <a:ext cx="5220072" cy="811010"/>
+          </a:xfrm>
+          <a:prstGeom prst="rect">
+            <a:avLst/>
+          </a:prstGeom>
+        </p:spPr>
+      </p:pic>
+      <p:pic>
+        <p:nvPicPr>
+          <p:cNvPr id="8" name="Grafik 7"/>
+          <p:cNvPicPr>
+            <a:picLocks noChangeAspect="1"/>
+          </p:cNvPicPr>
+          <p:nvPr/>
+        </p:nvPicPr>
+        <p:blipFill>
+          <a:blip r:embed="rId6" cstate="print">
+            <a:extLst>
+              <a:ext uri="{28A0092B-C50C-407E-A947-70E740481C1C}">
+                <a14:useLocalDpi xmlns:a14="http://schemas.microsoft.com/office/drawing/2010/main" val="0"/>
+              </a:ext>
+            </a:extLst>
+          </a:blip>
+          <a:stretch>
+            <a:fillRect/>
+          </a:stretch>
+        </p:blipFill>
+        <p:spPr>
+          <a:xfrm>
+            <a:off x="4716016" y="4734909"/>
+            <a:ext cx="3491880" cy="688611"/>
+          </a:xfrm>
+          <a:prstGeom prst="rect">
+            <a:avLst/>
+          </a:prstGeom>
+        </p:spPr>
+      </p:pic>
+      <p:pic>
+        <p:nvPicPr>
+          <p:cNvPr id="9" name="Grafik 8"/>
+          <p:cNvPicPr>
+            <a:picLocks noChangeAspect="1"/>
+          </p:cNvPicPr>
+          <p:nvPr/>
+        </p:nvPicPr>
+        <p:blipFill>
+          <a:blip r:embed="rId7">
+            <a:extLst>
+              <a:ext uri="{28A0092B-C50C-407E-A947-70E740481C1C}">
+                <a14:useLocalDpi xmlns:a14="http://schemas.microsoft.com/office/drawing/2010/main" val="0"/>
+              </a:ext>
+            </a:extLst>
+          </a:blip>
+          <a:stretch>
+            <a:fillRect/>
+          </a:stretch>
+        </p:blipFill>
+        <p:spPr>
+          <a:xfrm>
+            <a:off x="428120" y="4502060"/>
+            <a:ext cx="3742949" cy="1080711"/>
+          </a:xfrm>
+          <a:prstGeom prst="rect">
+            <a:avLst/>
+          </a:prstGeom>
+        </p:spPr>
+      </p:pic>
+      <p:pic>
+        <p:nvPicPr>
+          <p:cNvPr id="10" name="Grafik 9"/>
+          <p:cNvPicPr>
+            <a:picLocks noChangeAspect="1"/>
+          </p:cNvPicPr>
+          <p:nvPr/>
+        </p:nvPicPr>
+        <p:blipFill>
+          <a:blip r:embed="rId8">
+            <a:extLst>
+              <a:ext uri="{28A0092B-C50C-407E-A947-70E740481C1C}">
+                <a14:useLocalDpi xmlns:a14="http://schemas.microsoft.com/office/drawing/2010/main" val="0"/>
+              </a:ext>
+            </a:extLst>
+          </a:blip>
+          <a:stretch>
+            <a:fillRect/>
+          </a:stretch>
+        </p:blipFill>
+        <p:spPr>
+          <a:xfrm>
+            <a:off x="6163499" y="2288351"/>
+            <a:ext cx="2654980" cy="613868"/>
+          </a:xfrm>
+          <a:prstGeom prst="rect">
+            <a:avLst/>
+          </a:prstGeom>
+        </p:spPr>
+      </p:pic>
     </p:spTree>
     <p:extLst>
       <p:ext uri="{BB962C8B-B14F-4D97-AF65-F5344CB8AC3E}">
-        <p14:creationId xmlns:p14="http://schemas.microsoft.com/office/powerpoint/2010/main" val="2513066942"/>
+        <p14:creationId xmlns:p14="http://schemas.microsoft.com/office/powerpoint/2010/main" val="3368677882"/>
       </p:ext>
     </p:extLst>
   </p:cSld>
@@ -6726,7 +7066,11 @@
             </a:r>
             <a:r>
               <a:rPr lang="en-US" dirty="0" smtClean="0"/>
-              <a:t>constructed data</a:t>
+              <a:t>fictional </a:t>
+            </a:r>
+            <a:r>
+              <a:rPr lang="en-US" dirty="0" smtClean="0"/>
+              <a:t>data</a:t>
             </a:r>
           </a:p>
           <a:p>
@@ -6740,7 +7084,7 @@
             </a:r>
             <a:r>
               <a:rPr lang="en-US" dirty="0" smtClean="0"/>
-              <a:t>productions</a:t>
+              <a:t>spectrum of products</a:t>
             </a:r>
             <a:endParaRPr lang="en-US" dirty="0"/>
           </a:p>
